--- a/1_SQL/2_PPT/17_Order By/1_Order By.pptx
+++ b/1_SQL/2_PPT/17_Order By/1_Order By.pptx
@@ -6,7 +6,8 @@
   </p:sldMasterIdLst>
   <p:sldIdLst>
     <p:sldId id="256" r:id="rId2"/>
-    <p:sldId id="257" r:id="rId3"/>
+    <p:sldId id="258" r:id="rId3"/>
+    <p:sldId id="257" r:id="rId4"/>
   </p:sldIdLst>
   <p:sldSz cx="12192000" cy="6858000"/>
   <p:notesSz cx="6858000" cy="9144000"/>
@@ -135,7 +136,7 @@
           <p:cNvPr id="2" name="Title 1">
             <a:extLst>
               <a:ext uri="{FF2B5EF4-FFF2-40B4-BE49-F238E27FC236}">
-                <a16:creationId xmlns:a16="http://schemas.microsoft.com/office/drawing/2014/main" xmlns="" id="{CD32C2E5-0732-4750-B897-FDD2451B5D97}"/>
+                <a16:creationId xmlns:a16="http://schemas.microsoft.com/office/drawing/2014/main" id="{CD32C2E5-0732-4750-B897-FDD2451B5D97}"/>
               </a:ext>
             </a:extLst>
           </p:cNvPr>
@@ -172,7 +173,7 @@
           <p:cNvPr id="3" name="Subtitle 2">
             <a:extLst>
               <a:ext uri="{FF2B5EF4-FFF2-40B4-BE49-F238E27FC236}">
-                <a16:creationId xmlns:a16="http://schemas.microsoft.com/office/drawing/2014/main" xmlns="" id="{9CC8C9C5-2F6C-4B52-99BD-782169C6FD73}"/>
+                <a16:creationId xmlns:a16="http://schemas.microsoft.com/office/drawing/2014/main" id="{9CC8C9C5-2F6C-4B52-99BD-782169C6FD73}"/>
               </a:ext>
             </a:extLst>
           </p:cNvPr>
@@ -242,7 +243,7 @@
           <p:cNvPr id="4" name="Date Placeholder 3">
             <a:extLst>
               <a:ext uri="{FF2B5EF4-FFF2-40B4-BE49-F238E27FC236}">
-                <a16:creationId xmlns:a16="http://schemas.microsoft.com/office/drawing/2014/main" xmlns="" id="{CE4E916A-2C2F-44AB-A2C0-93086D4AB3F9}"/>
+                <a16:creationId xmlns:a16="http://schemas.microsoft.com/office/drawing/2014/main" id="{CE4E916A-2C2F-44AB-A2C0-93086D4AB3F9}"/>
               </a:ext>
             </a:extLst>
           </p:cNvPr>
@@ -260,7 +261,7 @@
           <a:p>
             <a:fld id="{AD9B181E-FC2A-4891-9480-B985D3FF0837}" type="datetimeFigureOut">
               <a:rPr lang="en-US" smtClean="0"/>
-              <a:t>10/18/2022</a:t>
+              <a:t>10/20/2022</a:t>
             </a:fld>
             <a:endParaRPr lang="en-US"/>
           </a:p>
@@ -271,7 +272,7 @@
           <p:cNvPr id="5" name="Footer Placeholder 4">
             <a:extLst>
               <a:ext uri="{FF2B5EF4-FFF2-40B4-BE49-F238E27FC236}">
-                <a16:creationId xmlns:a16="http://schemas.microsoft.com/office/drawing/2014/main" xmlns="" id="{D3B0B0D0-BA91-4494-B2EF-3900B6AF773E}"/>
+                <a16:creationId xmlns:a16="http://schemas.microsoft.com/office/drawing/2014/main" id="{D3B0B0D0-BA91-4494-B2EF-3900B6AF773E}"/>
               </a:ext>
             </a:extLst>
           </p:cNvPr>
@@ -296,7 +297,7 @@
           <p:cNvPr id="6" name="Slide Number Placeholder 5">
             <a:extLst>
               <a:ext uri="{FF2B5EF4-FFF2-40B4-BE49-F238E27FC236}">
-                <a16:creationId xmlns:a16="http://schemas.microsoft.com/office/drawing/2014/main" xmlns="" id="{5A19FC4A-41A7-4343-AE37-14F48081FAA6}"/>
+                <a16:creationId xmlns:a16="http://schemas.microsoft.com/office/drawing/2014/main" id="{5A19FC4A-41A7-4343-AE37-14F48081FAA6}"/>
               </a:ext>
             </a:extLst>
           </p:cNvPr>
@@ -355,7 +356,7 @@
           <p:cNvPr id="2" name="Title 1">
             <a:extLst>
               <a:ext uri="{FF2B5EF4-FFF2-40B4-BE49-F238E27FC236}">
-                <a16:creationId xmlns:a16="http://schemas.microsoft.com/office/drawing/2014/main" xmlns="" id="{F06CAF3A-5FEA-4025-8163-178B77D3C5EA}"/>
+                <a16:creationId xmlns:a16="http://schemas.microsoft.com/office/drawing/2014/main" id="{F06CAF3A-5FEA-4025-8163-178B77D3C5EA}"/>
               </a:ext>
             </a:extLst>
           </p:cNvPr>
@@ -383,7 +384,7 @@
           <p:cNvPr id="3" name="Vertical Text Placeholder 2">
             <a:extLst>
               <a:ext uri="{FF2B5EF4-FFF2-40B4-BE49-F238E27FC236}">
-                <a16:creationId xmlns:a16="http://schemas.microsoft.com/office/drawing/2014/main" xmlns="" id="{9996C5E1-9F01-4B75-8F46-B23F04EE056C}"/>
+                <a16:creationId xmlns:a16="http://schemas.microsoft.com/office/drawing/2014/main" id="{9996C5E1-9F01-4B75-8F46-B23F04EE056C}"/>
               </a:ext>
             </a:extLst>
           </p:cNvPr>
@@ -440,7 +441,7 @@
           <p:cNvPr id="4" name="Date Placeholder 3">
             <a:extLst>
               <a:ext uri="{FF2B5EF4-FFF2-40B4-BE49-F238E27FC236}">
-                <a16:creationId xmlns:a16="http://schemas.microsoft.com/office/drawing/2014/main" xmlns="" id="{6189028A-9481-4A5F-92AC-B35A9547AAC1}"/>
+                <a16:creationId xmlns:a16="http://schemas.microsoft.com/office/drawing/2014/main" id="{6189028A-9481-4A5F-92AC-B35A9547AAC1}"/>
               </a:ext>
             </a:extLst>
           </p:cNvPr>
@@ -458,7 +459,7 @@
           <a:p>
             <a:fld id="{AD9B181E-FC2A-4891-9480-B985D3FF0837}" type="datetimeFigureOut">
               <a:rPr lang="en-US" smtClean="0"/>
-              <a:t>10/18/2022</a:t>
+              <a:t>10/20/2022</a:t>
             </a:fld>
             <a:endParaRPr lang="en-US"/>
           </a:p>
@@ -469,7 +470,7 @@
           <p:cNvPr id="5" name="Footer Placeholder 4">
             <a:extLst>
               <a:ext uri="{FF2B5EF4-FFF2-40B4-BE49-F238E27FC236}">
-                <a16:creationId xmlns:a16="http://schemas.microsoft.com/office/drawing/2014/main" xmlns="" id="{27D9D78D-C536-4292-AAA9-5ADDBDC24938}"/>
+                <a16:creationId xmlns:a16="http://schemas.microsoft.com/office/drawing/2014/main" id="{27D9D78D-C536-4292-AAA9-5ADDBDC24938}"/>
               </a:ext>
             </a:extLst>
           </p:cNvPr>
@@ -494,7 +495,7 @@
           <p:cNvPr id="6" name="Slide Number Placeholder 5">
             <a:extLst>
               <a:ext uri="{FF2B5EF4-FFF2-40B4-BE49-F238E27FC236}">
-                <a16:creationId xmlns:a16="http://schemas.microsoft.com/office/drawing/2014/main" xmlns="" id="{B58EDF01-1007-410B-85AF-8C5A451AB1B1}"/>
+                <a16:creationId xmlns:a16="http://schemas.microsoft.com/office/drawing/2014/main" id="{B58EDF01-1007-410B-85AF-8C5A451AB1B1}"/>
               </a:ext>
             </a:extLst>
           </p:cNvPr>
@@ -553,7 +554,7 @@
           <p:cNvPr id="2" name="Vertical Title 1">
             <a:extLst>
               <a:ext uri="{FF2B5EF4-FFF2-40B4-BE49-F238E27FC236}">
-                <a16:creationId xmlns:a16="http://schemas.microsoft.com/office/drawing/2014/main" xmlns="" id="{C33E76B3-6B93-4BCB-A3C6-E8A6EFFF939D}"/>
+                <a16:creationId xmlns:a16="http://schemas.microsoft.com/office/drawing/2014/main" id="{C33E76B3-6B93-4BCB-A3C6-E8A6EFFF939D}"/>
               </a:ext>
             </a:extLst>
           </p:cNvPr>
@@ -586,7 +587,7 @@
           <p:cNvPr id="3" name="Vertical Text Placeholder 2">
             <a:extLst>
               <a:ext uri="{FF2B5EF4-FFF2-40B4-BE49-F238E27FC236}">
-                <a16:creationId xmlns:a16="http://schemas.microsoft.com/office/drawing/2014/main" xmlns="" id="{D85AE501-913B-4048-A73F-790F44395CB2}"/>
+                <a16:creationId xmlns:a16="http://schemas.microsoft.com/office/drawing/2014/main" id="{D85AE501-913B-4048-A73F-790F44395CB2}"/>
               </a:ext>
             </a:extLst>
           </p:cNvPr>
@@ -648,7 +649,7 @@
           <p:cNvPr id="4" name="Date Placeholder 3">
             <a:extLst>
               <a:ext uri="{FF2B5EF4-FFF2-40B4-BE49-F238E27FC236}">
-                <a16:creationId xmlns:a16="http://schemas.microsoft.com/office/drawing/2014/main" xmlns="" id="{5C7C29A6-3DD5-4649-98D0-A6C85D86353A}"/>
+                <a16:creationId xmlns:a16="http://schemas.microsoft.com/office/drawing/2014/main" id="{5C7C29A6-3DD5-4649-98D0-A6C85D86353A}"/>
               </a:ext>
             </a:extLst>
           </p:cNvPr>
@@ -666,7 +667,7 @@
           <a:p>
             <a:fld id="{AD9B181E-FC2A-4891-9480-B985D3FF0837}" type="datetimeFigureOut">
               <a:rPr lang="en-US" smtClean="0"/>
-              <a:t>10/18/2022</a:t>
+              <a:t>10/20/2022</a:t>
             </a:fld>
             <a:endParaRPr lang="en-US"/>
           </a:p>
@@ -677,7 +678,7 @@
           <p:cNvPr id="5" name="Footer Placeholder 4">
             <a:extLst>
               <a:ext uri="{FF2B5EF4-FFF2-40B4-BE49-F238E27FC236}">
-                <a16:creationId xmlns:a16="http://schemas.microsoft.com/office/drawing/2014/main" xmlns="" id="{D3869BAE-7E7B-495F-8FD0-7886BCFE9B00}"/>
+                <a16:creationId xmlns:a16="http://schemas.microsoft.com/office/drawing/2014/main" id="{D3869BAE-7E7B-495F-8FD0-7886BCFE9B00}"/>
               </a:ext>
             </a:extLst>
           </p:cNvPr>
@@ -702,7 +703,7 @@
           <p:cNvPr id="6" name="Slide Number Placeholder 5">
             <a:extLst>
               <a:ext uri="{FF2B5EF4-FFF2-40B4-BE49-F238E27FC236}">
-                <a16:creationId xmlns:a16="http://schemas.microsoft.com/office/drawing/2014/main" xmlns="" id="{F6346ADF-58AC-4924-8020-D02129B8482A}"/>
+                <a16:creationId xmlns:a16="http://schemas.microsoft.com/office/drawing/2014/main" id="{F6346ADF-58AC-4924-8020-D02129B8482A}"/>
               </a:ext>
             </a:extLst>
           </p:cNvPr>
@@ -761,7 +762,7 @@
           <p:cNvPr id="2" name="Title 1">
             <a:extLst>
               <a:ext uri="{FF2B5EF4-FFF2-40B4-BE49-F238E27FC236}">
-                <a16:creationId xmlns:a16="http://schemas.microsoft.com/office/drawing/2014/main" xmlns="" id="{CA489068-11A9-44D0-B58D-677751EB1BFD}"/>
+                <a16:creationId xmlns:a16="http://schemas.microsoft.com/office/drawing/2014/main" id="{CA489068-11A9-44D0-B58D-677751EB1BFD}"/>
               </a:ext>
             </a:extLst>
           </p:cNvPr>
@@ -789,7 +790,7 @@
           <p:cNvPr id="3" name="Content Placeholder 2">
             <a:extLst>
               <a:ext uri="{FF2B5EF4-FFF2-40B4-BE49-F238E27FC236}">
-                <a16:creationId xmlns:a16="http://schemas.microsoft.com/office/drawing/2014/main" xmlns="" id="{13550CE6-FEAE-462E-BAA0-07FF1954E06C}"/>
+                <a16:creationId xmlns:a16="http://schemas.microsoft.com/office/drawing/2014/main" id="{13550CE6-FEAE-462E-BAA0-07FF1954E06C}"/>
               </a:ext>
             </a:extLst>
           </p:cNvPr>
@@ -846,7 +847,7 @@
           <p:cNvPr id="4" name="Date Placeholder 3">
             <a:extLst>
               <a:ext uri="{FF2B5EF4-FFF2-40B4-BE49-F238E27FC236}">
-                <a16:creationId xmlns:a16="http://schemas.microsoft.com/office/drawing/2014/main" xmlns="" id="{0104A851-FF25-4385-940E-C3B044C2307B}"/>
+                <a16:creationId xmlns:a16="http://schemas.microsoft.com/office/drawing/2014/main" id="{0104A851-FF25-4385-940E-C3B044C2307B}"/>
               </a:ext>
             </a:extLst>
           </p:cNvPr>
@@ -864,7 +865,7 @@
           <a:p>
             <a:fld id="{AD9B181E-FC2A-4891-9480-B985D3FF0837}" type="datetimeFigureOut">
               <a:rPr lang="en-US" smtClean="0"/>
-              <a:t>10/18/2022</a:t>
+              <a:t>10/20/2022</a:t>
             </a:fld>
             <a:endParaRPr lang="en-US"/>
           </a:p>
@@ -875,7 +876,7 @@
           <p:cNvPr id="5" name="Footer Placeholder 4">
             <a:extLst>
               <a:ext uri="{FF2B5EF4-FFF2-40B4-BE49-F238E27FC236}">
-                <a16:creationId xmlns:a16="http://schemas.microsoft.com/office/drawing/2014/main" xmlns="" id="{505DF156-BD95-493F-8470-C61ED3BAD604}"/>
+                <a16:creationId xmlns:a16="http://schemas.microsoft.com/office/drawing/2014/main" id="{505DF156-BD95-493F-8470-C61ED3BAD604}"/>
               </a:ext>
             </a:extLst>
           </p:cNvPr>
@@ -900,7 +901,7 @@
           <p:cNvPr id="6" name="Slide Number Placeholder 5">
             <a:extLst>
               <a:ext uri="{FF2B5EF4-FFF2-40B4-BE49-F238E27FC236}">
-                <a16:creationId xmlns:a16="http://schemas.microsoft.com/office/drawing/2014/main" xmlns="" id="{3CC59B7D-4AE5-47D7-9066-77D18EE5DD0B}"/>
+                <a16:creationId xmlns:a16="http://schemas.microsoft.com/office/drawing/2014/main" id="{3CC59B7D-4AE5-47D7-9066-77D18EE5DD0B}"/>
               </a:ext>
             </a:extLst>
           </p:cNvPr>
@@ -959,7 +960,7 @@
           <p:cNvPr id="2" name="Title 1">
             <a:extLst>
               <a:ext uri="{FF2B5EF4-FFF2-40B4-BE49-F238E27FC236}">
-                <a16:creationId xmlns:a16="http://schemas.microsoft.com/office/drawing/2014/main" xmlns="" id="{EE9C84FD-4F07-40D3-BD84-E5C0C334EDE0}"/>
+                <a16:creationId xmlns:a16="http://schemas.microsoft.com/office/drawing/2014/main" id="{EE9C84FD-4F07-40D3-BD84-E5C0C334EDE0}"/>
               </a:ext>
             </a:extLst>
           </p:cNvPr>
@@ -996,7 +997,7 @@
           <p:cNvPr id="3" name="Text Placeholder 2">
             <a:extLst>
               <a:ext uri="{FF2B5EF4-FFF2-40B4-BE49-F238E27FC236}">
-                <a16:creationId xmlns:a16="http://schemas.microsoft.com/office/drawing/2014/main" xmlns="" id="{87FE8925-49C2-4633-A371-7489A33626B7}"/>
+                <a16:creationId xmlns:a16="http://schemas.microsoft.com/office/drawing/2014/main" id="{87FE8925-49C2-4633-A371-7489A33626B7}"/>
               </a:ext>
             </a:extLst>
           </p:cNvPr>
@@ -1121,7 +1122,7 @@
           <p:cNvPr id="4" name="Date Placeholder 3">
             <a:extLst>
               <a:ext uri="{FF2B5EF4-FFF2-40B4-BE49-F238E27FC236}">
-                <a16:creationId xmlns:a16="http://schemas.microsoft.com/office/drawing/2014/main" xmlns="" id="{FBB883BB-8604-4FD4-9EF4-00137433D8C3}"/>
+                <a16:creationId xmlns:a16="http://schemas.microsoft.com/office/drawing/2014/main" id="{FBB883BB-8604-4FD4-9EF4-00137433D8C3}"/>
               </a:ext>
             </a:extLst>
           </p:cNvPr>
@@ -1139,7 +1140,7 @@
           <a:p>
             <a:fld id="{AD9B181E-FC2A-4891-9480-B985D3FF0837}" type="datetimeFigureOut">
               <a:rPr lang="en-US" smtClean="0"/>
-              <a:t>10/18/2022</a:t>
+              <a:t>10/20/2022</a:t>
             </a:fld>
             <a:endParaRPr lang="en-US"/>
           </a:p>
@@ -1150,7 +1151,7 @@
           <p:cNvPr id="5" name="Footer Placeholder 4">
             <a:extLst>
               <a:ext uri="{FF2B5EF4-FFF2-40B4-BE49-F238E27FC236}">
-                <a16:creationId xmlns:a16="http://schemas.microsoft.com/office/drawing/2014/main" xmlns="" id="{162C5E11-EE38-461A-A45A-9BF86D933804}"/>
+                <a16:creationId xmlns:a16="http://schemas.microsoft.com/office/drawing/2014/main" id="{162C5E11-EE38-461A-A45A-9BF86D933804}"/>
               </a:ext>
             </a:extLst>
           </p:cNvPr>
@@ -1175,7 +1176,7 @@
           <p:cNvPr id="6" name="Slide Number Placeholder 5">
             <a:extLst>
               <a:ext uri="{FF2B5EF4-FFF2-40B4-BE49-F238E27FC236}">
-                <a16:creationId xmlns:a16="http://schemas.microsoft.com/office/drawing/2014/main" xmlns="" id="{3BF52758-8DAA-4BCB-91CA-6A85A7B492C6}"/>
+                <a16:creationId xmlns:a16="http://schemas.microsoft.com/office/drawing/2014/main" id="{3BF52758-8DAA-4BCB-91CA-6A85A7B492C6}"/>
               </a:ext>
             </a:extLst>
           </p:cNvPr>
@@ -1234,7 +1235,7 @@
           <p:cNvPr id="2" name="Title 1">
             <a:extLst>
               <a:ext uri="{FF2B5EF4-FFF2-40B4-BE49-F238E27FC236}">
-                <a16:creationId xmlns:a16="http://schemas.microsoft.com/office/drawing/2014/main" xmlns="" id="{F1AC4077-FE8F-4C77-AF10-8426E4802B44}"/>
+                <a16:creationId xmlns:a16="http://schemas.microsoft.com/office/drawing/2014/main" id="{F1AC4077-FE8F-4C77-AF10-8426E4802B44}"/>
               </a:ext>
             </a:extLst>
           </p:cNvPr>
@@ -1262,7 +1263,7 @@
           <p:cNvPr id="3" name="Content Placeholder 2">
             <a:extLst>
               <a:ext uri="{FF2B5EF4-FFF2-40B4-BE49-F238E27FC236}">
-                <a16:creationId xmlns:a16="http://schemas.microsoft.com/office/drawing/2014/main" xmlns="" id="{1606435E-6F13-406C-B2E4-6A370F77986A}"/>
+                <a16:creationId xmlns:a16="http://schemas.microsoft.com/office/drawing/2014/main" id="{1606435E-6F13-406C-B2E4-6A370F77986A}"/>
               </a:ext>
             </a:extLst>
           </p:cNvPr>
@@ -1324,7 +1325,7 @@
           <p:cNvPr id="4" name="Content Placeholder 3">
             <a:extLst>
               <a:ext uri="{FF2B5EF4-FFF2-40B4-BE49-F238E27FC236}">
-                <a16:creationId xmlns:a16="http://schemas.microsoft.com/office/drawing/2014/main" xmlns="" id="{44BC293A-2830-4D02-B7E5-6D46F3343BD5}"/>
+                <a16:creationId xmlns:a16="http://schemas.microsoft.com/office/drawing/2014/main" id="{44BC293A-2830-4D02-B7E5-6D46F3343BD5}"/>
               </a:ext>
             </a:extLst>
           </p:cNvPr>
@@ -1386,7 +1387,7 @@
           <p:cNvPr id="5" name="Date Placeholder 4">
             <a:extLst>
               <a:ext uri="{FF2B5EF4-FFF2-40B4-BE49-F238E27FC236}">
-                <a16:creationId xmlns:a16="http://schemas.microsoft.com/office/drawing/2014/main" xmlns="" id="{42B8213E-F2B2-4609-95F4-FE70CB32E1B1}"/>
+                <a16:creationId xmlns:a16="http://schemas.microsoft.com/office/drawing/2014/main" id="{42B8213E-F2B2-4609-95F4-FE70CB32E1B1}"/>
               </a:ext>
             </a:extLst>
           </p:cNvPr>
@@ -1404,7 +1405,7 @@
           <a:p>
             <a:fld id="{AD9B181E-FC2A-4891-9480-B985D3FF0837}" type="datetimeFigureOut">
               <a:rPr lang="en-US" smtClean="0"/>
-              <a:t>10/18/2022</a:t>
+              <a:t>10/20/2022</a:t>
             </a:fld>
             <a:endParaRPr lang="en-US"/>
           </a:p>
@@ -1415,7 +1416,7 @@
           <p:cNvPr id="6" name="Footer Placeholder 5">
             <a:extLst>
               <a:ext uri="{FF2B5EF4-FFF2-40B4-BE49-F238E27FC236}">
-                <a16:creationId xmlns:a16="http://schemas.microsoft.com/office/drawing/2014/main" xmlns="" id="{E740DFB6-ABA2-450F-9E25-B77C2F91E9F0}"/>
+                <a16:creationId xmlns:a16="http://schemas.microsoft.com/office/drawing/2014/main" id="{E740DFB6-ABA2-450F-9E25-B77C2F91E9F0}"/>
               </a:ext>
             </a:extLst>
           </p:cNvPr>
@@ -1440,7 +1441,7 @@
           <p:cNvPr id="7" name="Slide Number Placeholder 6">
             <a:extLst>
               <a:ext uri="{FF2B5EF4-FFF2-40B4-BE49-F238E27FC236}">
-                <a16:creationId xmlns:a16="http://schemas.microsoft.com/office/drawing/2014/main" xmlns="" id="{F70264D3-265D-4B72-A853-0F2FDB5AC1C4}"/>
+                <a16:creationId xmlns:a16="http://schemas.microsoft.com/office/drawing/2014/main" id="{F70264D3-265D-4B72-A853-0F2FDB5AC1C4}"/>
               </a:ext>
             </a:extLst>
           </p:cNvPr>
@@ -1499,7 +1500,7 @@
           <p:cNvPr id="2" name="Title 1">
             <a:extLst>
               <a:ext uri="{FF2B5EF4-FFF2-40B4-BE49-F238E27FC236}">
-                <a16:creationId xmlns:a16="http://schemas.microsoft.com/office/drawing/2014/main" xmlns="" id="{BB0CC7B4-8356-4C1D-B962-EBE004B9BA16}"/>
+                <a16:creationId xmlns:a16="http://schemas.microsoft.com/office/drawing/2014/main" id="{BB0CC7B4-8356-4C1D-B962-EBE004B9BA16}"/>
               </a:ext>
             </a:extLst>
           </p:cNvPr>
@@ -1532,7 +1533,7 @@
           <p:cNvPr id="3" name="Text Placeholder 2">
             <a:extLst>
               <a:ext uri="{FF2B5EF4-FFF2-40B4-BE49-F238E27FC236}">
-                <a16:creationId xmlns:a16="http://schemas.microsoft.com/office/drawing/2014/main" xmlns="" id="{6E1169BA-FE9E-4467-B4E6-2DFEC2232AF4}"/>
+                <a16:creationId xmlns:a16="http://schemas.microsoft.com/office/drawing/2014/main" id="{6E1169BA-FE9E-4467-B4E6-2DFEC2232AF4}"/>
               </a:ext>
             </a:extLst>
           </p:cNvPr>
@@ -1603,7 +1604,7 @@
           <p:cNvPr id="4" name="Content Placeholder 3">
             <a:extLst>
               <a:ext uri="{FF2B5EF4-FFF2-40B4-BE49-F238E27FC236}">
-                <a16:creationId xmlns:a16="http://schemas.microsoft.com/office/drawing/2014/main" xmlns="" id="{24769C01-DEA2-4486-9103-2B9F6378B171}"/>
+                <a16:creationId xmlns:a16="http://schemas.microsoft.com/office/drawing/2014/main" id="{24769C01-DEA2-4486-9103-2B9F6378B171}"/>
               </a:ext>
             </a:extLst>
           </p:cNvPr>
@@ -1665,7 +1666,7 @@
           <p:cNvPr id="5" name="Text Placeholder 4">
             <a:extLst>
               <a:ext uri="{FF2B5EF4-FFF2-40B4-BE49-F238E27FC236}">
-                <a16:creationId xmlns:a16="http://schemas.microsoft.com/office/drawing/2014/main" xmlns="" id="{2F5E8A6F-131D-4043-A4DF-D3BCE5FA73A4}"/>
+                <a16:creationId xmlns:a16="http://schemas.microsoft.com/office/drawing/2014/main" id="{2F5E8A6F-131D-4043-A4DF-D3BCE5FA73A4}"/>
               </a:ext>
             </a:extLst>
           </p:cNvPr>
@@ -1736,7 +1737,7 @@
           <p:cNvPr id="6" name="Content Placeholder 5">
             <a:extLst>
               <a:ext uri="{FF2B5EF4-FFF2-40B4-BE49-F238E27FC236}">
-                <a16:creationId xmlns:a16="http://schemas.microsoft.com/office/drawing/2014/main" xmlns="" id="{F2C527FA-034B-4D4E-830F-413236AACB7D}"/>
+                <a16:creationId xmlns:a16="http://schemas.microsoft.com/office/drawing/2014/main" id="{F2C527FA-034B-4D4E-830F-413236AACB7D}"/>
               </a:ext>
             </a:extLst>
           </p:cNvPr>
@@ -1798,7 +1799,7 @@
           <p:cNvPr id="7" name="Date Placeholder 6">
             <a:extLst>
               <a:ext uri="{FF2B5EF4-FFF2-40B4-BE49-F238E27FC236}">
-                <a16:creationId xmlns:a16="http://schemas.microsoft.com/office/drawing/2014/main" xmlns="" id="{0074FFC1-0460-4FA6-8C99-0E06BB54D262}"/>
+                <a16:creationId xmlns:a16="http://schemas.microsoft.com/office/drawing/2014/main" id="{0074FFC1-0460-4FA6-8C99-0E06BB54D262}"/>
               </a:ext>
             </a:extLst>
           </p:cNvPr>
@@ -1816,7 +1817,7 @@
           <a:p>
             <a:fld id="{AD9B181E-FC2A-4891-9480-B985D3FF0837}" type="datetimeFigureOut">
               <a:rPr lang="en-US" smtClean="0"/>
-              <a:t>10/18/2022</a:t>
+              <a:t>10/20/2022</a:t>
             </a:fld>
             <a:endParaRPr lang="en-US"/>
           </a:p>
@@ -1827,7 +1828,7 @@
           <p:cNvPr id="8" name="Footer Placeholder 7">
             <a:extLst>
               <a:ext uri="{FF2B5EF4-FFF2-40B4-BE49-F238E27FC236}">
-                <a16:creationId xmlns:a16="http://schemas.microsoft.com/office/drawing/2014/main" xmlns="" id="{E5DA590B-B6B8-4A20-8807-AD69E2697EF9}"/>
+                <a16:creationId xmlns:a16="http://schemas.microsoft.com/office/drawing/2014/main" id="{E5DA590B-B6B8-4A20-8807-AD69E2697EF9}"/>
               </a:ext>
             </a:extLst>
           </p:cNvPr>
@@ -1852,7 +1853,7 @@
           <p:cNvPr id="9" name="Slide Number Placeholder 8">
             <a:extLst>
               <a:ext uri="{FF2B5EF4-FFF2-40B4-BE49-F238E27FC236}">
-                <a16:creationId xmlns:a16="http://schemas.microsoft.com/office/drawing/2014/main" xmlns="" id="{BB0CF112-EA1F-48D0-B77C-4E27B3D0F9C2}"/>
+                <a16:creationId xmlns:a16="http://schemas.microsoft.com/office/drawing/2014/main" id="{BB0CF112-EA1F-48D0-B77C-4E27B3D0F9C2}"/>
               </a:ext>
             </a:extLst>
           </p:cNvPr>
@@ -1911,7 +1912,7 @@
           <p:cNvPr id="2" name="Title 1">
             <a:extLst>
               <a:ext uri="{FF2B5EF4-FFF2-40B4-BE49-F238E27FC236}">
-                <a16:creationId xmlns:a16="http://schemas.microsoft.com/office/drawing/2014/main" xmlns="" id="{C424E059-9FAB-4FC8-9E2E-D38B333047F6}"/>
+                <a16:creationId xmlns:a16="http://schemas.microsoft.com/office/drawing/2014/main" id="{C424E059-9FAB-4FC8-9E2E-D38B333047F6}"/>
               </a:ext>
             </a:extLst>
           </p:cNvPr>
@@ -1939,7 +1940,7 @@
           <p:cNvPr id="3" name="Date Placeholder 2">
             <a:extLst>
               <a:ext uri="{FF2B5EF4-FFF2-40B4-BE49-F238E27FC236}">
-                <a16:creationId xmlns:a16="http://schemas.microsoft.com/office/drawing/2014/main" xmlns="" id="{BB9CFA52-69B0-4BB4-B06B-BDFEA7553A8C}"/>
+                <a16:creationId xmlns:a16="http://schemas.microsoft.com/office/drawing/2014/main" id="{BB9CFA52-69B0-4BB4-B06B-BDFEA7553A8C}"/>
               </a:ext>
             </a:extLst>
           </p:cNvPr>
@@ -1957,7 +1958,7 @@
           <a:p>
             <a:fld id="{AD9B181E-FC2A-4891-9480-B985D3FF0837}" type="datetimeFigureOut">
               <a:rPr lang="en-US" smtClean="0"/>
-              <a:t>10/18/2022</a:t>
+              <a:t>10/20/2022</a:t>
             </a:fld>
             <a:endParaRPr lang="en-US"/>
           </a:p>
@@ -1968,7 +1969,7 @@
           <p:cNvPr id="4" name="Footer Placeholder 3">
             <a:extLst>
               <a:ext uri="{FF2B5EF4-FFF2-40B4-BE49-F238E27FC236}">
-                <a16:creationId xmlns:a16="http://schemas.microsoft.com/office/drawing/2014/main" xmlns="" id="{CDCDA1DB-0DD6-4BA1-BC8E-FA7A4AAF428E}"/>
+                <a16:creationId xmlns:a16="http://schemas.microsoft.com/office/drawing/2014/main" id="{CDCDA1DB-0DD6-4BA1-BC8E-FA7A4AAF428E}"/>
               </a:ext>
             </a:extLst>
           </p:cNvPr>
@@ -1993,7 +1994,7 @@
           <p:cNvPr id="5" name="Slide Number Placeholder 4">
             <a:extLst>
               <a:ext uri="{FF2B5EF4-FFF2-40B4-BE49-F238E27FC236}">
-                <a16:creationId xmlns:a16="http://schemas.microsoft.com/office/drawing/2014/main" xmlns="" id="{896B78CC-8350-44CD-8FD0-BECC16795276}"/>
+                <a16:creationId xmlns:a16="http://schemas.microsoft.com/office/drawing/2014/main" id="{896B78CC-8350-44CD-8FD0-BECC16795276}"/>
               </a:ext>
             </a:extLst>
           </p:cNvPr>
@@ -2052,7 +2053,7 @@
           <p:cNvPr id="2" name="Date Placeholder 1">
             <a:extLst>
               <a:ext uri="{FF2B5EF4-FFF2-40B4-BE49-F238E27FC236}">
-                <a16:creationId xmlns:a16="http://schemas.microsoft.com/office/drawing/2014/main" xmlns="" id="{47B86671-66B6-460A-AFC8-6A30573D0FCC}"/>
+                <a16:creationId xmlns:a16="http://schemas.microsoft.com/office/drawing/2014/main" id="{47B86671-66B6-460A-AFC8-6A30573D0FCC}"/>
               </a:ext>
             </a:extLst>
           </p:cNvPr>
@@ -2070,7 +2071,7 @@
           <a:p>
             <a:fld id="{AD9B181E-FC2A-4891-9480-B985D3FF0837}" type="datetimeFigureOut">
               <a:rPr lang="en-US" smtClean="0"/>
-              <a:t>10/18/2022</a:t>
+              <a:t>10/20/2022</a:t>
             </a:fld>
             <a:endParaRPr lang="en-US"/>
           </a:p>
@@ -2081,7 +2082,7 @@
           <p:cNvPr id="3" name="Footer Placeholder 2">
             <a:extLst>
               <a:ext uri="{FF2B5EF4-FFF2-40B4-BE49-F238E27FC236}">
-                <a16:creationId xmlns:a16="http://schemas.microsoft.com/office/drawing/2014/main" xmlns="" id="{D1756CD1-376D-4EA2-A1C0-80CC53784FC0}"/>
+                <a16:creationId xmlns:a16="http://schemas.microsoft.com/office/drawing/2014/main" id="{D1756CD1-376D-4EA2-A1C0-80CC53784FC0}"/>
               </a:ext>
             </a:extLst>
           </p:cNvPr>
@@ -2106,7 +2107,7 @@
           <p:cNvPr id="4" name="Slide Number Placeholder 3">
             <a:extLst>
               <a:ext uri="{FF2B5EF4-FFF2-40B4-BE49-F238E27FC236}">
-                <a16:creationId xmlns:a16="http://schemas.microsoft.com/office/drawing/2014/main" xmlns="" id="{0C619C47-E3B3-4036-B8A6-C99BDAD7A17B}"/>
+                <a16:creationId xmlns:a16="http://schemas.microsoft.com/office/drawing/2014/main" id="{0C619C47-E3B3-4036-B8A6-C99BDAD7A17B}"/>
               </a:ext>
             </a:extLst>
           </p:cNvPr>
@@ -2165,7 +2166,7 @@
           <p:cNvPr id="2" name="Title 1">
             <a:extLst>
               <a:ext uri="{FF2B5EF4-FFF2-40B4-BE49-F238E27FC236}">
-                <a16:creationId xmlns:a16="http://schemas.microsoft.com/office/drawing/2014/main" xmlns="" id="{342F82A5-377A-4E9D-AAD5-2C744871C3F9}"/>
+                <a16:creationId xmlns:a16="http://schemas.microsoft.com/office/drawing/2014/main" id="{342F82A5-377A-4E9D-AAD5-2C744871C3F9}"/>
               </a:ext>
             </a:extLst>
           </p:cNvPr>
@@ -2202,7 +2203,7 @@
           <p:cNvPr id="3" name="Content Placeholder 2">
             <a:extLst>
               <a:ext uri="{FF2B5EF4-FFF2-40B4-BE49-F238E27FC236}">
-                <a16:creationId xmlns:a16="http://schemas.microsoft.com/office/drawing/2014/main" xmlns="" id="{E5D7A053-47E0-40E8-ACA1-79FCC30FBCE9}"/>
+                <a16:creationId xmlns:a16="http://schemas.microsoft.com/office/drawing/2014/main" id="{E5D7A053-47E0-40E8-ACA1-79FCC30FBCE9}"/>
               </a:ext>
             </a:extLst>
           </p:cNvPr>
@@ -2292,7 +2293,7 @@
           <p:cNvPr id="4" name="Text Placeholder 3">
             <a:extLst>
               <a:ext uri="{FF2B5EF4-FFF2-40B4-BE49-F238E27FC236}">
-                <a16:creationId xmlns:a16="http://schemas.microsoft.com/office/drawing/2014/main" xmlns="" id="{5B0A3712-2588-4A82-849C-621286E96ABC}"/>
+                <a16:creationId xmlns:a16="http://schemas.microsoft.com/office/drawing/2014/main" id="{5B0A3712-2588-4A82-849C-621286E96ABC}"/>
               </a:ext>
             </a:extLst>
           </p:cNvPr>
@@ -2363,7 +2364,7 @@
           <p:cNvPr id="5" name="Date Placeholder 4">
             <a:extLst>
               <a:ext uri="{FF2B5EF4-FFF2-40B4-BE49-F238E27FC236}">
-                <a16:creationId xmlns:a16="http://schemas.microsoft.com/office/drawing/2014/main" xmlns="" id="{50CDD29F-732C-489E-9E26-CA40A4AEA060}"/>
+                <a16:creationId xmlns:a16="http://schemas.microsoft.com/office/drawing/2014/main" id="{50CDD29F-732C-489E-9E26-CA40A4AEA060}"/>
               </a:ext>
             </a:extLst>
           </p:cNvPr>
@@ -2381,7 +2382,7 @@
           <a:p>
             <a:fld id="{AD9B181E-FC2A-4891-9480-B985D3FF0837}" type="datetimeFigureOut">
               <a:rPr lang="en-US" smtClean="0"/>
-              <a:t>10/18/2022</a:t>
+              <a:t>10/20/2022</a:t>
             </a:fld>
             <a:endParaRPr lang="en-US"/>
           </a:p>
@@ -2392,7 +2393,7 @@
           <p:cNvPr id="6" name="Footer Placeholder 5">
             <a:extLst>
               <a:ext uri="{FF2B5EF4-FFF2-40B4-BE49-F238E27FC236}">
-                <a16:creationId xmlns:a16="http://schemas.microsoft.com/office/drawing/2014/main" xmlns="" id="{1E5F9096-79E6-4C6D-9313-840E832EF206}"/>
+                <a16:creationId xmlns:a16="http://schemas.microsoft.com/office/drawing/2014/main" id="{1E5F9096-79E6-4C6D-9313-840E832EF206}"/>
               </a:ext>
             </a:extLst>
           </p:cNvPr>
@@ -2417,7 +2418,7 @@
           <p:cNvPr id="7" name="Slide Number Placeholder 6">
             <a:extLst>
               <a:ext uri="{FF2B5EF4-FFF2-40B4-BE49-F238E27FC236}">
-                <a16:creationId xmlns:a16="http://schemas.microsoft.com/office/drawing/2014/main" xmlns="" id="{7752FE05-D9B3-4AC7-861F-B0EBE336E3E9}"/>
+                <a16:creationId xmlns:a16="http://schemas.microsoft.com/office/drawing/2014/main" id="{7752FE05-D9B3-4AC7-861F-B0EBE336E3E9}"/>
               </a:ext>
             </a:extLst>
           </p:cNvPr>
@@ -2476,7 +2477,7 @@
           <p:cNvPr id="2" name="Title 1">
             <a:extLst>
               <a:ext uri="{FF2B5EF4-FFF2-40B4-BE49-F238E27FC236}">
-                <a16:creationId xmlns:a16="http://schemas.microsoft.com/office/drawing/2014/main" xmlns="" id="{D6B414BA-2936-491E-ADFE-6C75D6C3D672}"/>
+                <a16:creationId xmlns:a16="http://schemas.microsoft.com/office/drawing/2014/main" id="{D6B414BA-2936-491E-ADFE-6C75D6C3D672}"/>
               </a:ext>
             </a:extLst>
           </p:cNvPr>
@@ -2513,7 +2514,7 @@
           <p:cNvPr id="3" name="Picture Placeholder 2">
             <a:extLst>
               <a:ext uri="{FF2B5EF4-FFF2-40B4-BE49-F238E27FC236}">
-                <a16:creationId xmlns:a16="http://schemas.microsoft.com/office/drawing/2014/main" xmlns="" id="{A06C4777-0F30-4E1B-B44B-A05BD57C69F7}"/>
+                <a16:creationId xmlns:a16="http://schemas.microsoft.com/office/drawing/2014/main" id="{A06C4777-0F30-4E1B-B44B-A05BD57C69F7}"/>
               </a:ext>
             </a:extLst>
           </p:cNvPr>
@@ -2580,7 +2581,7 @@
           <p:cNvPr id="4" name="Text Placeholder 3">
             <a:extLst>
               <a:ext uri="{FF2B5EF4-FFF2-40B4-BE49-F238E27FC236}">
-                <a16:creationId xmlns:a16="http://schemas.microsoft.com/office/drawing/2014/main" xmlns="" id="{8B5C2E91-5E15-4D27-AD44-0EB4D9C78CD6}"/>
+                <a16:creationId xmlns:a16="http://schemas.microsoft.com/office/drawing/2014/main" id="{8B5C2E91-5E15-4D27-AD44-0EB4D9C78CD6}"/>
               </a:ext>
             </a:extLst>
           </p:cNvPr>
@@ -2651,7 +2652,7 @@
           <p:cNvPr id="5" name="Date Placeholder 4">
             <a:extLst>
               <a:ext uri="{FF2B5EF4-FFF2-40B4-BE49-F238E27FC236}">
-                <a16:creationId xmlns:a16="http://schemas.microsoft.com/office/drawing/2014/main" xmlns="" id="{9693DB16-F157-405A-917F-DF8A660646C5}"/>
+                <a16:creationId xmlns:a16="http://schemas.microsoft.com/office/drawing/2014/main" id="{9693DB16-F157-405A-917F-DF8A660646C5}"/>
               </a:ext>
             </a:extLst>
           </p:cNvPr>
@@ -2669,7 +2670,7 @@
           <a:p>
             <a:fld id="{AD9B181E-FC2A-4891-9480-B985D3FF0837}" type="datetimeFigureOut">
               <a:rPr lang="en-US" smtClean="0"/>
-              <a:t>10/18/2022</a:t>
+              <a:t>10/20/2022</a:t>
             </a:fld>
             <a:endParaRPr lang="en-US"/>
           </a:p>
@@ -2680,7 +2681,7 @@
           <p:cNvPr id="6" name="Footer Placeholder 5">
             <a:extLst>
               <a:ext uri="{FF2B5EF4-FFF2-40B4-BE49-F238E27FC236}">
-                <a16:creationId xmlns:a16="http://schemas.microsoft.com/office/drawing/2014/main" xmlns="" id="{FFC6BD84-B221-42CB-A7DC-F7A6034A6B68}"/>
+                <a16:creationId xmlns:a16="http://schemas.microsoft.com/office/drawing/2014/main" id="{FFC6BD84-B221-42CB-A7DC-F7A6034A6B68}"/>
               </a:ext>
             </a:extLst>
           </p:cNvPr>
@@ -2705,7 +2706,7 @@
           <p:cNvPr id="7" name="Slide Number Placeholder 6">
             <a:extLst>
               <a:ext uri="{FF2B5EF4-FFF2-40B4-BE49-F238E27FC236}">
-                <a16:creationId xmlns:a16="http://schemas.microsoft.com/office/drawing/2014/main" xmlns="" id="{FB63E72B-37B9-4887-AA23-A8119E0529DD}"/>
+                <a16:creationId xmlns:a16="http://schemas.microsoft.com/office/drawing/2014/main" id="{FB63E72B-37B9-4887-AA23-A8119E0529DD}"/>
               </a:ext>
             </a:extLst>
           </p:cNvPr>
@@ -2769,7 +2770,7 @@
           <p:cNvPr id="2" name="Title Placeholder 1">
             <a:extLst>
               <a:ext uri="{FF2B5EF4-FFF2-40B4-BE49-F238E27FC236}">
-                <a16:creationId xmlns:a16="http://schemas.microsoft.com/office/drawing/2014/main" xmlns="" id="{33710B44-5720-4A24-ABDB-E91A25E75886}"/>
+                <a16:creationId xmlns:a16="http://schemas.microsoft.com/office/drawing/2014/main" id="{33710B44-5720-4A24-ABDB-E91A25E75886}"/>
               </a:ext>
             </a:extLst>
           </p:cNvPr>
@@ -2807,7 +2808,7 @@
           <p:cNvPr id="3" name="Text Placeholder 2">
             <a:extLst>
               <a:ext uri="{FF2B5EF4-FFF2-40B4-BE49-F238E27FC236}">
-                <a16:creationId xmlns:a16="http://schemas.microsoft.com/office/drawing/2014/main" xmlns="" id="{145C71E3-6F3B-4F2A-A5AC-F638DE9B49CD}"/>
+                <a16:creationId xmlns:a16="http://schemas.microsoft.com/office/drawing/2014/main" id="{145C71E3-6F3B-4F2A-A5AC-F638DE9B49CD}"/>
               </a:ext>
             </a:extLst>
           </p:cNvPr>
@@ -2874,7 +2875,7 @@
           <p:cNvPr id="4" name="Date Placeholder 3">
             <a:extLst>
               <a:ext uri="{FF2B5EF4-FFF2-40B4-BE49-F238E27FC236}">
-                <a16:creationId xmlns:a16="http://schemas.microsoft.com/office/drawing/2014/main" xmlns="" id="{DD8B0173-16AF-4B37-8D56-92B90EA464B3}"/>
+                <a16:creationId xmlns:a16="http://schemas.microsoft.com/office/drawing/2014/main" id="{DD8B0173-16AF-4B37-8D56-92B90EA464B3}"/>
               </a:ext>
             </a:extLst>
           </p:cNvPr>
@@ -2910,7 +2911,7 @@
           <a:p>
             <a:fld id="{AD9B181E-FC2A-4891-9480-B985D3FF0837}" type="datetimeFigureOut">
               <a:rPr lang="en-US" smtClean="0"/>
-              <a:t>10/18/2022</a:t>
+              <a:t>10/20/2022</a:t>
             </a:fld>
             <a:endParaRPr lang="en-US"/>
           </a:p>
@@ -2921,7 +2922,7 @@
           <p:cNvPr id="5" name="Footer Placeholder 4">
             <a:extLst>
               <a:ext uri="{FF2B5EF4-FFF2-40B4-BE49-F238E27FC236}">
-                <a16:creationId xmlns:a16="http://schemas.microsoft.com/office/drawing/2014/main" xmlns="" id="{A6F13B57-731A-4C8B-A964-D70A7232ADCE}"/>
+                <a16:creationId xmlns:a16="http://schemas.microsoft.com/office/drawing/2014/main" id="{A6F13B57-731A-4C8B-A964-D70A7232ADCE}"/>
               </a:ext>
             </a:extLst>
           </p:cNvPr>
@@ -2964,7 +2965,7 @@
           <p:cNvPr id="6" name="Slide Number Placeholder 5">
             <a:extLst>
               <a:ext uri="{FF2B5EF4-FFF2-40B4-BE49-F238E27FC236}">
-                <a16:creationId xmlns:a16="http://schemas.microsoft.com/office/drawing/2014/main" xmlns="" id="{68504770-8D47-4EF7-A96F-29866FDE49A3}"/>
+                <a16:creationId xmlns:a16="http://schemas.microsoft.com/office/drawing/2014/main" id="{68504770-8D47-4EF7-A96F-29866FDE49A3}"/>
               </a:ext>
             </a:extLst>
           </p:cNvPr>
@@ -3332,7 +3333,7 @@
           <p:cNvPr id="5" name="Picture 4">
             <a:extLst>
               <a:ext uri="{FF2B5EF4-FFF2-40B4-BE49-F238E27FC236}">
-                <a16:creationId xmlns:a16="http://schemas.microsoft.com/office/drawing/2014/main" xmlns="" id="{9B66120B-7517-4DBC-8DD3-B2371D74B8B8}"/>
+                <a16:creationId xmlns:a16="http://schemas.microsoft.com/office/drawing/2014/main" id="{9B66120B-7517-4DBC-8DD3-B2371D74B8B8}"/>
               </a:ext>
             </a:extLst>
           </p:cNvPr>
@@ -3361,7 +3362,7 @@
           <p:cNvPr id="6" name="Picture 5">
             <a:extLst>
               <a:ext uri="{FF2B5EF4-FFF2-40B4-BE49-F238E27FC236}">
-                <a16:creationId xmlns:a16="http://schemas.microsoft.com/office/drawing/2014/main" xmlns="" id="{03A97685-E517-4156-8BA4-B5E46833A3D5}"/>
+                <a16:creationId xmlns:a16="http://schemas.microsoft.com/office/drawing/2014/main" id="{03A97685-E517-4156-8BA4-B5E46833A3D5}"/>
               </a:ext>
             </a:extLst>
           </p:cNvPr>
@@ -3390,7 +3391,7 @@
           <p:cNvPr id="7" name="Rectangle 6">
             <a:extLst>
               <a:ext uri="{FF2B5EF4-FFF2-40B4-BE49-F238E27FC236}">
-                <a16:creationId xmlns:a16="http://schemas.microsoft.com/office/drawing/2014/main" xmlns="" id="{C54CD71D-63AC-491A-BF67-7F286DD4750A}"/>
+                <a16:creationId xmlns:a16="http://schemas.microsoft.com/office/drawing/2014/main" id="{C54CD71D-63AC-491A-BF67-7F286DD4750A}"/>
               </a:ext>
             </a:extLst>
           </p:cNvPr>
@@ -3821,6 +3822,136 @@
     <p:extLst>
       <p:ext uri="{BB962C8B-B14F-4D97-AF65-F5344CB8AC3E}">
         <p14:creationId xmlns:p14="http://schemas.microsoft.com/office/powerpoint/2010/main" val="4034668944"/>
+      </p:ext>
+    </p:extLst>
+  </p:cSld>
+  <p:clrMapOvr>
+    <a:masterClrMapping/>
+  </p:clrMapOvr>
+</p:sld>
+</file>
+
+<file path=ppt/slides/slide3.xml><?xml version="1.0" encoding="utf-8"?>
+<p:sld xmlns:a="http://schemas.openxmlformats.org/drawingml/2006/main" xmlns:r="http://schemas.openxmlformats.org/officeDocument/2006/relationships" xmlns:p="http://schemas.openxmlformats.org/presentationml/2006/main">
+  <p:cSld>
+    <p:spTree>
+      <p:nvGrpSpPr>
+        <p:cNvPr id="1" name=""/>
+        <p:cNvGrpSpPr/>
+        <p:nvPr/>
+      </p:nvGrpSpPr>
+      <p:grpSpPr>
+        <a:xfrm>
+          <a:off x="0" y="0"/>
+          <a:ext cx="0" cy="0"/>
+          <a:chOff x="0" y="0"/>
+          <a:chExt cx="0" cy="0"/>
+        </a:xfrm>
+      </p:grpSpPr>
+      <p:pic>
+        <p:nvPicPr>
+          <p:cNvPr id="1026" name="Picture 2" descr="table">
+            <a:extLst>
+              <a:ext uri="{FF2B5EF4-FFF2-40B4-BE49-F238E27FC236}">
+                <a16:creationId xmlns:a16="http://schemas.microsoft.com/office/drawing/2014/main" id="{24E307EC-F024-447F-96C2-7BF483AD41C3}"/>
+              </a:ext>
+            </a:extLst>
+          </p:cNvPr>
+          <p:cNvPicPr>
+            <a:picLocks noChangeAspect="1" noChangeArrowheads="1"/>
+          </p:cNvPicPr>
+          <p:nvPr/>
+        </p:nvPicPr>
+        <p:blipFill rotWithShape="1">
+          <a:blip r:embed="rId2">
+            <a:extLst>
+              <a:ext uri="{28A0092B-C50C-407E-A947-70E740481C1C}">
+                <a14:useLocalDpi xmlns:a14="http://schemas.microsoft.com/office/drawing/2010/main" val="0"/>
+              </a:ext>
+            </a:extLst>
+          </a:blip>
+          <a:srcRect l="4487" t="4644" r="4279" b="4915"/>
+          <a:stretch/>
+        </p:blipFill>
+        <p:spPr bwMode="auto">
+          <a:xfrm>
+            <a:off x="216206" y="158997"/>
+            <a:ext cx="4623650" cy="3574806"/>
+          </a:xfrm>
+          <a:prstGeom prst="rect">
+            <a:avLst/>
+          </a:prstGeom>
+          <a:noFill/>
+          <a:ln w="9525">
+            <a:solidFill>
+              <a:schemeClr val="tx1"/>
+            </a:solidFill>
+          </a:ln>
+          <a:extLst>
+            <a:ext uri="{909E8E84-426E-40DD-AFC4-6F175D3DCCD1}">
+              <a14:hiddenFill xmlns:a14="http://schemas.microsoft.com/office/drawing/2010/main">
+                <a:solidFill>
+                  <a:srgbClr val="FFFFFF"/>
+                </a:solidFill>
+              </a14:hiddenFill>
+            </a:ext>
+          </a:extLst>
+        </p:spPr>
+      </p:pic>
+      <p:pic>
+        <p:nvPicPr>
+          <p:cNvPr id="2" name="Picture 2" descr="a close up of text on a white background">
+            <a:extLst>
+              <a:ext uri="{FF2B5EF4-FFF2-40B4-BE49-F238E27FC236}">
+                <a16:creationId xmlns:a16="http://schemas.microsoft.com/office/drawing/2014/main" id="{51D5897D-E491-4A90-8912-88D496DF691A}"/>
+              </a:ext>
+            </a:extLst>
+          </p:cNvPr>
+          <p:cNvPicPr>
+            <a:picLocks noChangeAspect="1" noChangeArrowheads="1"/>
+          </p:cNvPicPr>
+          <p:nvPr/>
+        </p:nvPicPr>
+        <p:blipFill rotWithShape="1">
+          <a:blip r:embed="rId3">
+            <a:extLst>
+              <a:ext uri="{28A0092B-C50C-407E-A947-70E740481C1C}">
+                <a14:useLocalDpi xmlns:a14="http://schemas.microsoft.com/office/drawing/2010/main" val="0"/>
+              </a:ext>
+            </a:extLst>
+          </a:blip>
+          <a:srcRect l="4670" t="5413" r="4879" b="5397"/>
+          <a:stretch/>
+        </p:blipFill>
+        <p:spPr bwMode="auto">
+          <a:xfrm>
+            <a:off x="5098474" y="158997"/>
+            <a:ext cx="3625274" cy="3574806"/>
+          </a:xfrm>
+          <a:prstGeom prst="rect">
+            <a:avLst/>
+          </a:prstGeom>
+          <a:noFill/>
+          <a:ln>
+            <a:solidFill>
+              <a:schemeClr val="tx1"/>
+            </a:solidFill>
+          </a:ln>
+          <a:extLst>
+            <a:ext uri="{909E8E84-426E-40DD-AFC4-6F175D3DCCD1}">
+              <a14:hiddenFill xmlns:a14="http://schemas.microsoft.com/office/drawing/2010/main">
+                <a:solidFill>
+                  <a:srgbClr val="FFFFFF"/>
+                </a:solidFill>
+              </a14:hiddenFill>
+            </a:ext>
+          </a:extLst>
+        </p:spPr>
+      </p:pic>
+    </p:spTree>
+    <p:extLst>
+      <p:ext uri="{BB962C8B-B14F-4D97-AF65-F5344CB8AC3E}">
+        <p14:creationId xmlns:p14="http://schemas.microsoft.com/office/powerpoint/2010/main" val="1348999225"/>
       </p:ext>
     </p:extLst>
   </p:cSld>
